--- a/slide/AWS_App_Runner.pptx
+++ b/slide/AWS_App_Runner.pptx
@@ -5,10 +5,10 @@
     <p:sldMasterId id="2147483721" r:id="rId4"/>
   </p:sldMasterIdLst>
   <p:notesMasterIdLst>
-    <p:notesMasterId r:id="rId13"/>
+    <p:notesMasterId r:id="rId14"/>
   </p:notesMasterIdLst>
   <p:handoutMasterIdLst>
-    <p:handoutMasterId r:id="rId14"/>
+    <p:handoutMasterId r:id="rId15"/>
   </p:handoutMasterIdLst>
   <p:sldIdLst>
     <p:sldId id="270" r:id="rId5"/>
@@ -18,7 +18,8 @@
     <p:sldId id="300" r:id="rId9"/>
     <p:sldId id="298" r:id="rId10"/>
     <p:sldId id="299" r:id="rId11"/>
-    <p:sldId id="297" r:id="rId12"/>
+    <p:sldId id="307" r:id="rId12"/>
+    <p:sldId id="297" r:id="rId13"/>
   </p:sldIdLst>
   <p:sldSz cx="12192000" cy="6858000"/>
   <p:notesSz cx="6858000" cy="9144000"/>
@@ -256,7 +257,7 @@
   <pc:docChgLst>
     <pc:chgData name="Minh Tran" userId="59ade502-7af3-4e1d-b883-7a9e2f25f753" providerId="ADAL" clId="{62E916DD-F89D-4BB7-9AB3-8071F051E65F}"/>
     <pc:docChg chg="undo redo custSel addSld delSld modSld sldOrd">
-      <pc:chgData name="Minh Tran" userId="59ade502-7af3-4e1d-b883-7a9e2f25f753" providerId="ADAL" clId="{62E916DD-F89D-4BB7-9AB3-8071F051E65F}" dt="2023-07-31T02:34:33.436" v="515" actId="20577"/>
+      <pc:chgData name="Minh Tran" userId="59ade502-7af3-4e1d-b883-7a9e2f25f753" providerId="ADAL" clId="{62E916DD-F89D-4BB7-9AB3-8071F051E65F}" dt="2023-08-01T05:43:05.348" v="1630" actId="47"/>
       <pc:docMkLst>
         <pc:docMk/>
       </pc:docMkLst>
@@ -943,6 +944,124 @@
           </ac:spMkLst>
         </pc:spChg>
       </pc:sldChg>
+      <pc:sldChg chg="addSp delSp modSp new del mod modClrScheme chgLayout">
+        <pc:chgData name="Minh Tran" userId="59ade502-7af3-4e1d-b883-7a9e2f25f753" providerId="ADAL" clId="{62E916DD-F89D-4BB7-9AB3-8071F051E65F}" dt="2023-08-01T05:43:05.348" v="1630" actId="47"/>
+        <pc:sldMkLst>
+          <pc:docMk/>
+          <pc:sldMk cId="1668539272" sldId="306"/>
+        </pc:sldMkLst>
+        <pc:spChg chg="del mod ord">
+          <ac:chgData name="Minh Tran" userId="59ade502-7af3-4e1d-b883-7a9e2f25f753" providerId="ADAL" clId="{62E916DD-F89D-4BB7-9AB3-8071F051E65F}" dt="2023-08-01T05:32:57.128" v="517" actId="700"/>
+          <ac:spMkLst>
+            <pc:docMk/>
+            <pc:sldMk cId="1668539272" sldId="306"/>
+            <ac:spMk id="2" creationId="{E9FFB89F-E405-B4BC-0D3D-2635EC2CB3F1}"/>
+          </ac:spMkLst>
+        </pc:spChg>
+        <pc:spChg chg="del">
+          <ac:chgData name="Minh Tran" userId="59ade502-7af3-4e1d-b883-7a9e2f25f753" providerId="ADAL" clId="{62E916DD-F89D-4BB7-9AB3-8071F051E65F}" dt="2023-08-01T05:32:57.128" v="517" actId="700"/>
+          <ac:spMkLst>
+            <pc:docMk/>
+            <pc:sldMk cId="1668539272" sldId="306"/>
+            <ac:spMk id="3" creationId="{DE71C82E-964F-6408-D6BB-DA3A796D7701}"/>
+          </ac:spMkLst>
+        </pc:spChg>
+        <pc:spChg chg="del mod ord">
+          <ac:chgData name="Minh Tran" userId="59ade502-7af3-4e1d-b883-7a9e2f25f753" providerId="ADAL" clId="{62E916DD-F89D-4BB7-9AB3-8071F051E65F}" dt="2023-08-01T05:32:57.128" v="517" actId="700"/>
+          <ac:spMkLst>
+            <pc:docMk/>
+            <pc:sldMk cId="1668539272" sldId="306"/>
+            <ac:spMk id="4" creationId="{BDE3D8AD-06DE-D021-F0F7-C5D6A7EA9A99}"/>
+          </ac:spMkLst>
+        </pc:spChg>
+        <pc:spChg chg="del">
+          <ac:chgData name="Minh Tran" userId="59ade502-7af3-4e1d-b883-7a9e2f25f753" providerId="ADAL" clId="{62E916DD-F89D-4BB7-9AB3-8071F051E65F}" dt="2023-08-01T05:32:57.128" v="517" actId="700"/>
+          <ac:spMkLst>
+            <pc:docMk/>
+            <pc:sldMk cId="1668539272" sldId="306"/>
+            <ac:spMk id="5" creationId="{66293407-AB9A-3D8E-A2AC-FC78DC60BED4}"/>
+          </ac:spMkLst>
+        </pc:spChg>
+        <pc:spChg chg="add mod ord">
+          <ac:chgData name="Minh Tran" userId="59ade502-7af3-4e1d-b883-7a9e2f25f753" providerId="ADAL" clId="{62E916DD-F89D-4BB7-9AB3-8071F051E65F}" dt="2023-08-01T05:33:07.252" v="546" actId="20577"/>
+          <ac:spMkLst>
+            <pc:docMk/>
+            <pc:sldMk cId="1668539272" sldId="306"/>
+            <ac:spMk id="6" creationId="{6C3574CB-E745-3F1C-A474-341112FA0BD6}"/>
+          </ac:spMkLst>
+        </pc:spChg>
+        <pc:spChg chg="add mod ord">
+          <ac:chgData name="Minh Tran" userId="59ade502-7af3-4e1d-b883-7a9e2f25f753" providerId="ADAL" clId="{62E916DD-F89D-4BB7-9AB3-8071F051E65F}" dt="2023-08-01T05:36:13.061" v="934" actId="20577"/>
+          <ac:spMkLst>
+            <pc:docMk/>
+            <pc:sldMk cId="1668539272" sldId="306"/>
+            <ac:spMk id="7" creationId="{ABEBA1DB-C1CF-F9D0-2084-B61B30E7918B}"/>
+          </ac:spMkLst>
+        </pc:spChg>
+      </pc:sldChg>
+      <pc:sldChg chg="addSp delSp modSp new mod modClrScheme chgLayout">
+        <pc:chgData name="Minh Tran" userId="59ade502-7af3-4e1d-b883-7a9e2f25f753" providerId="ADAL" clId="{62E916DD-F89D-4BB7-9AB3-8071F051E65F}" dt="2023-08-01T05:43:00.089" v="1629" actId="20577"/>
+        <pc:sldMkLst>
+          <pc:docMk/>
+          <pc:sldMk cId="3509059936" sldId="307"/>
+        </pc:sldMkLst>
+        <pc:spChg chg="del mod ord">
+          <ac:chgData name="Minh Tran" userId="59ade502-7af3-4e1d-b883-7a9e2f25f753" providerId="ADAL" clId="{62E916DD-F89D-4BB7-9AB3-8071F051E65F}" dt="2023-08-01T05:37:00.236" v="936" actId="700"/>
+          <ac:spMkLst>
+            <pc:docMk/>
+            <pc:sldMk cId="3509059936" sldId="307"/>
+            <ac:spMk id="2" creationId="{113413FE-8988-CD07-EBF2-947CA9A72F29}"/>
+          </ac:spMkLst>
+        </pc:spChg>
+        <pc:spChg chg="del mod ord">
+          <ac:chgData name="Minh Tran" userId="59ade502-7af3-4e1d-b883-7a9e2f25f753" providerId="ADAL" clId="{62E916DD-F89D-4BB7-9AB3-8071F051E65F}" dt="2023-08-01T05:37:00.236" v="936" actId="700"/>
+          <ac:spMkLst>
+            <pc:docMk/>
+            <pc:sldMk cId="3509059936" sldId="307"/>
+            <ac:spMk id="3" creationId="{646F1BC9-393F-E3A2-B8B6-AD55CBB20412}"/>
+          </ac:spMkLst>
+        </pc:spChg>
+        <pc:spChg chg="add mod ord">
+          <ac:chgData name="Minh Tran" userId="59ade502-7af3-4e1d-b883-7a9e2f25f753" providerId="ADAL" clId="{62E916DD-F89D-4BB7-9AB3-8071F051E65F}" dt="2023-08-01T05:37:11.815" v="982" actId="20577"/>
+          <ac:spMkLst>
+            <pc:docMk/>
+            <pc:sldMk cId="3509059936" sldId="307"/>
+            <ac:spMk id="4" creationId="{8739F1A9-834E-D470-4543-BA828BF5C1D4}"/>
+          </ac:spMkLst>
+        </pc:spChg>
+        <pc:spChg chg="add mod ord">
+          <ac:chgData name="Minh Tran" userId="59ade502-7af3-4e1d-b883-7a9e2f25f753" providerId="ADAL" clId="{62E916DD-F89D-4BB7-9AB3-8071F051E65F}" dt="2023-08-01T05:41:51.605" v="1540" actId="20577"/>
+          <ac:spMkLst>
+            <pc:docMk/>
+            <pc:sldMk cId="3509059936" sldId="307"/>
+            <ac:spMk id="5" creationId="{187AAE58-7C27-2496-515E-492E74F4D312}"/>
+          </ac:spMkLst>
+        </pc:spChg>
+        <pc:spChg chg="add mod ord">
+          <ac:chgData name="Minh Tran" userId="59ade502-7af3-4e1d-b883-7a9e2f25f753" providerId="ADAL" clId="{62E916DD-F89D-4BB7-9AB3-8071F051E65F}" dt="2023-08-01T05:37:19.596" v="1004" actId="20577"/>
+          <ac:spMkLst>
+            <pc:docMk/>
+            <pc:sldMk cId="3509059936" sldId="307"/>
+            <ac:spMk id="6" creationId="{D439B92C-3129-D042-43B0-CB75B5CE7877}"/>
+          </ac:spMkLst>
+        </pc:spChg>
+        <pc:spChg chg="add mod ord">
+          <ac:chgData name="Minh Tran" userId="59ade502-7af3-4e1d-b883-7a9e2f25f753" providerId="ADAL" clId="{62E916DD-F89D-4BB7-9AB3-8071F051E65F}" dt="2023-08-01T05:43:00.089" v="1629" actId="20577"/>
+          <ac:spMkLst>
+            <pc:docMk/>
+            <pc:sldMk cId="3509059936" sldId="307"/>
+            <ac:spMk id="7" creationId="{F2547082-39E2-49D9-3786-D43A33952063}"/>
+          </ac:spMkLst>
+        </pc:spChg>
+        <pc:spChg chg="add mod ord">
+          <ac:chgData name="Minh Tran" userId="59ade502-7af3-4e1d-b883-7a9e2f25f753" providerId="ADAL" clId="{62E916DD-F89D-4BB7-9AB3-8071F051E65F}" dt="2023-08-01T05:37:22.819" v="1007" actId="20577"/>
+          <ac:spMkLst>
+            <pc:docMk/>
+            <pc:sldMk cId="3509059936" sldId="307"/>
+            <ac:spMk id="8" creationId="{9587CD6E-B618-C661-D47B-E8667BFDEA6E}"/>
+          </ac:spMkLst>
+        </pc:spChg>
+      </pc:sldChg>
       <pc:sldMasterChg chg="delSldLayout">
         <pc:chgData name="Minh Tran" userId="59ade502-7af3-4e1d-b883-7a9e2f25f753" providerId="ADAL" clId="{62E916DD-F89D-4BB7-9AB3-8071F051E65F}" dt="2023-07-27T03:40:49.694" v="33" actId="47"/>
         <pc:sldMasterMkLst>
@@ -1057,7 +1176,7 @@
           <a:p>
             <a:fld id="{AF512B98-4418-EB49-9D2B-6A764D1D6634}" type="datetimeFigureOut">
               <a:rPr lang="en-VN" smtClean="0"/>
-              <a:t>07/31/2023</a:t>
+              <a:t>08/01/2023</a:t>
             </a:fld>
             <a:endParaRPr lang="en-VN"/>
           </a:p>
@@ -1234,7 +1353,7 @@
           <a:p>
             <a:fld id="{8E7AE1E7-346C-4A4E-8167-247A92DBB887}" type="datetimeFigureOut">
               <a:rPr lang="en-US" smtClean="0"/>
-              <a:t>7/31/2023</a:t>
+              <a:t>8/1/2023</a:t>
             </a:fld>
             <a:endParaRPr lang="en-US"/>
           </a:p>
@@ -18691,6 +18810,200 @@
 </file>
 
 <file path=ppt/slides/slide8.xml><?xml version="1.0" encoding="utf-8"?>
+<p:sld xmlns:a="http://schemas.openxmlformats.org/drawingml/2006/main" xmlns:r="http://schemas.openxmlformats.org/officeDocument/2006/relationships" xmlns:p="http://schemas.openxmlformats.org/presentationml/2006/main">
+  <p:cSld>
+    <p:spTree>
+      <p:nvGrpSpPr>
+        <p:cNvPr id="1" name=""/>
+        <p:cNvGrpSpPr/>
+        <p:nvPr/>
+      </p:nvGrpSpPr>
+      <p:grpSpPr>
+        <a:xfrm>
+          <a:off x="0" y="0"/>
+          <a:ext cx="0" cy="0"/>
+          <a:chOff x="0" y="0"/>
+          <a:chExt cx="0" cy="0"/>
+        </a:xfrm>
+      </p:grpSpPr>
+      <p:sp>
+        <p:nvSpPr>
+          <p:cNvPr id="4" name="Title 3">
+            <a:extLst>
+              <a:ext uri="{FF2B5EF4-FFF2-40B4-BE49-F238E27FC236}">
+                <a16:creationId xmlns:a16="http://schemas.microsoft.com/office/drawing/2014/main" id="{8739F1A9-834E-D470-4543-BA828BF5C1D4}"/>
+              </a:ext>
+            </a:extLst>
+          </p:cNvPr>
+          <p:cNvSpPr>
+            <a:spLocks noGrp="1"/>
+          </p:cNvSpPr>
+          <p:nvPr>
+            <p:ph type="title"/>
+          </p:nvPr>
+        </p:nvSpPr>
+        <p:spPr/>
+        <p:txBody>
+          <a:bodyPr/>
+          <a:lstStyle/>
+          <a:p>
+            <a:r>
+              <a:rPr lang="en-US" dirty="0"/>
+              <a:t>Comparing Deployment by EC2 and App Runner</a:t>
+            </a:r>
+          </a:p>
+        </p:txBody>
+      </p:sp>
+      <p:sp>
+        <p:nvSpPr>
+          <p:cNvPr id="5" name="Text Placeholder 4">
+            <a:extLst>
+              <a:ext uri="{FF2B5EF4-FFF2-40B4-BE49-F238E27FC236}">
+                <a16:creationId xmlns:a16="http://schemas.microsoft.com/office/drawing/2014/main" id="{187AAE58-7C27-2496-515E-492E74F4D312}"/>
+              </a:ext>
+            </a:extLst>
+          </p:cNvPr>
+          <p:cNvSpPr>
+            <a:spLocks noGrp="1"/>
+          </p:cNvSpPr>
+          <p:nvPr>
+            <p:ph type="body" sz="quarter" idx="11"/>
+          </p:nvPr>
+        </p:nvSpPr>
+        <p:spPr/>
+        <p:txBody>
+          <a:bodyPr/>
+          <a:lstStyle/>
+          <a:p>
+            <a:r>
+              <a:rPr lang="en-US" dirty="0"/>
+              <a:t>Don’t need to know about Docker, Auto Scaling, Security, Networking, Observability.</a:t>
+            </a:r>
+          </a:p>
+          <a:p>
+            <a:r>
+              <a:rPr lang="en-US" dirty="0"/>
+              <a:t>Easy to configure service to run and build step by step.</a:t>
+            </a:r>
+          </a:p>
+          <a:p>
+            <a:r>
+              <a:rPr lang="en-US" dirty="0"/>
+              <a:t>Easy to target CPU and Memory to run.</a:t>
+            </a:r>
+          </a:p>
+        </p:txBody>
+      </p:sp>
+      <p:sp>
+        <p:nvSpPr>
+          <p:cNvPr id="6" name="Text Placeholder 5">
+            <a:extLst>
+              <a:ext uri="{FF2B5EF4-FFF2-40B4-BE49-F238E27FC236}">
+                <a16:creationId xmlns:a16="http://schemas.microsoft.com/office/drawing/2014/main" id="{D439B92C-3129-D042-43B0-CB75B5CE7877}"/>
+              </a:ext>
+            </a:extLst>
+          </p:cNvPr>
+          <p:cNvSpPr>
+            <a:spLocks noGrp="1"/>
+          </p:cNvSpPr>
+          <p:nvPr>
+            <p:ph type="body" sz="quarter" idx="12"/>
+          </p:nvPr>
+        </p:nvSpPr>
+        <p:spPr/>
+        <p:txBody>
+          <a:bodyPr/>
+          <a:lstStyle/>
+          <a:p>
+            <a:r>
+              <a:rPr lang="en-US" dirty="0"/>
+              <a:t>AWS App Runner</a:t>
+            </a:r>
+          </a:p>
+        </p:txBody>
+      </p:sp>
+      <p:sp>
+        <p:nvSpPr>
+          <p:cNvPr id="7" name="Text Placeholder 6">
+            <a:extLst>
+              <a:ext uri="{FF2B5EF4-FFF2-40B4-BE49-F238E27FC236}">
+                <a16:creationId xmlns:a16="http://schemas.microsoft.com/office/drawing/2014/main" id="{F2547082-39E2-49D9-3786-D43A33952063}"/>
+              </a:ext>
+            </a:extLst>
+          </p:cNvPr>
+          <p:cNvSpPr>
+            <a:spLocks noGrp="1"/>
+          </p:cNvSpPr>
+          <p:nvPr>
+            <p:ph type="body" sz="quarter" idx="13"/>
+          </p:nvPr>
+        </p:nvSpPr>
+        <p:spPr/>
+        <p:txBody>
+          <a:bodyPr/>
+          <a:lstStyle/>
+          <a:p>
+            <a:r>
+              <a:rPr lang="en-US" dirty="0"/>
+              <a:t>Need to know about Docker. Manually configure Auto Scaling, Security, Networking, and Observability.</a:t>
+            </a:r>
+          </a:p>
+          <a:p>
+            <a:r>
+              <a:rPr lang="en-US" dirty="0"/>
+              <a:t>Need to have CI/CD process to build and run. We need to know how to deploy to EC2.</a:t>
+            </a:r>
+          </a:p>
+          <a:p>
+            <a:r>
+              <a:rPr lang="en-US" dirty="0"/>
+              <a:t>Must have knowledge and script to choose correctly which needed EC2.</a:t>
+            </a:r>
+          </a:p>
+        </p:txBody>
+      </p:sp>
+      <p:sp>
+        <p:nvSpPr>
+          <p:cNvPr id="8" name="Text Placeholder 7">
+            <a:extLst>
+              <a:ext uri="{FF2B5EF4-FFF2-40B4-BE49-F238E27FC236}">
+                <a16:creationId xmlns:a16="http://schemas.microsoft.com/office/drawing/2014/main" id="{9587CD6E-B618-C661-D47B-E8667BFDEA6E}"/>
+              </a:ext>
+            </a:extLst>
+          </p:cNvPr>
+          <p:cNvSpPr>
+            <a:spLocks noGrp="1"/>
+          </p:cNvSpPr>
+          <p:nvPr>
+            <p:ph type="body" sz="quarter" idx="14"/>
+          </p:nvPr>
+        </p:nvSpPr>
+        <p:spPr/>
+        <p:txBody>
+          <a:bodyPr/>
+          <a:lstStyle/>
+          <a:p>
+            <a:r>
+              <a:rPr lang="en-US" dirty="0"/>
+              <a:t>EC2</a:t>
+            </a:r>
+          </a:p>
+        </p:txBody>
+      </p:sp>
+    </p:spTree>
+    <p:extLst>
+      <p:ext uri="{BB962C8B-B14F-4D97-AF65-F5344CB8AC3E}">
+        <p14:creationId xmlns:p14="http://schemas.microsoft.com/office/powerpoint/2010/main" val="3509059936"/>
+      </p:ext>
+    </p:extLst>
+  </p:cSld>
+  <p:clrMapOvr>
+    <a:masterClrMapping/>
+  </p:clrMapOvr>
+</p:sld>
+</file>
+
+<file path=ppt/slides/slide9.xml><?xml version="1.0" encoding="utf-8"?>
 <p:sld xmlns:a="http://schemas.openxmlformats.org/drawingml/2006/main" xmlns:r="http://schemas.openxmlformats.org/officeDocument/2006/relationships" xmlns:p="http://schemas.openxmlformats.org/presentationml/2006/main">
   <p:cSld>
     <p:spTree>
@@ -19531,6 +19844,15 @@
 </file>
 
 <file path=customXml/item2.xml><?xml version="1.0" encoding="utf-8"?>
+<?mso-contentType ?>
+<FormTemplates xmlns="http://schemas.microsoft.com/sharepoint/v3/contenttype/forms">
+  <Display>DocumentLibraryForm</Display>
+  <Edit>DocumentLibraryForm</Edit>
+  <New>DocumentLibraryForm</New>
+</FormTemplates>
+</file>
+
+<file path=customXml/item3.xml><?xml version="1.0" encoding="utf-8"?>
 <ct:contentTypeSchema xmlns:ct="http://schemas.microsoft.com/office/2006/metadata/contentType" xmlns:ma="http://schemas.microsoft.com/office/2006/metadata/properties/metaAttributes" ct:_="" ma:_="" ma:contentTypeName="Document" ma:contentTypeID="0x010100409ED3CD6D966B46B07A514663589B2D" ma:contentTypeVersion="6" ma:contentTypeDescription="Create a new document." ma:contentTypeScope="" ma:versionID="59895a3b6ce07bba0268f15bf3db50e5">
   <xsd:schema xmlns:xsd="http://www.w3.org/2001/XMLSchema" xmlns:xs="http://www.w3.org/2001/XMLSchema" xmlns:p="http://schemas.microsoft.com/office/2006/metadata/properties" xmlns:ns2="a303498c-e7d6-4b65-84d9-c7f792967138" xmlns:ns3="140670e8-552e-4ed4-90a8-2e1fc7c78fb9" targetNamespace="http://schemas.microsoft.com/office/2006/metadata/properties" ma:root="true" ma:fieldsID="36649e523fe2fa0b4f9464a280655f98" ns2:_="" ns3:_="">
     <xsd:import namespace="a303498c-e7d6-4b65-84d9-c7f792967138"/>
@@ -19709,15 +20031,6 @@
 </ct:contentTypeSchema>
 </file>
 
-<file path=customXml/item3.xml><?xml version="1.0" encoding="utf-8"?>
-<?mso-contentType ?>
-<FormTemplates xmlns="http://schemas.microsoft.com/sharepoint/v3/contenttype/forms">
-  <Display>DocumentLibraryForm</Display>
-  <Edit>DocumentLibraryForm</Edit>
-  <New>DocumentLibraryForm</New>
-</FormTemplates>
-</file>
-
 <file path=customXml/itemProps1.xml><?xml version="1.0" encoding="utf-8"?>
 <ds:datastoreItem xmlns:ds="http://schemas.openxmlformats.org/officeDocument/2006/customXml" ds:itemID="{A66C3307-F054-4959-9144-4D96D0E24931}">
   <ds:schemaRefs>
@@ -19737,6 +20050,14 @@
 </file>
 
 <file path=customXml/itemProps2.xml><?xml version="1.0" encoding="utf-8"?>
+<ds:datastoreItem xmlns:ds="http://schemas.openxmlformats.org/officeDocument/2006/customXml" ds:itemID="{F919276A-3D42-45D5-B57B-67CFD19FD6DD}">
+  <ds:schemaRefs>
+    <ds:schemaRef ds:uri="http://schemas.microsoft.com/sharepoint/v3/contenttype/forms"/>
+  </ds:schemaRefs>
+</ds:datastoreItem>
+</file>
+
+<file path=customXml/itemProps3.xml><?xml version="1.0" encoding="utf-8"?>
 <ds:datastoreItem xmlns:ds="http://schemas.openxmlformats.org/officeDocument/2006/customXml" ds:itemID="{A18C1C08-6FF0-49FF-B6D5-CA0BC27F4504}">
   <ds:schemaRefs>
     <ds:schemaRef ds:uri="http://schemas.microsoft.com/office/2006/metadata/contentType"/>
@@ -19755,14 +20076,6 @@
 </ds:datastoreItem>
 </file>
 
-<file path=customXml/itemProps3.xml><?xml version="1.0" encoding="utf-8"?>
-<ds:datastoreItem xmlns:ds="http://schemas.openxmlformats.org/officeDocument/2006/customXml" ds:itemID="{F919276A-3D42-45D5-B57B-67CFD19FD6DD}">
-  <ds:schemaRefs>
-    <ds:schemaRef ds:uri="http://schemas.microsoft.com/sharepoint/v3/contenttype/forms"/>
-  </ds:schemaRefs>
-</ds:datastoreItem>
-</file>
-
 <file path=docMetadata/LabelInfo.xml><?xml version="1.0" encoding="utf-8"?>
 <clbl:labelList xmlns:clbl="http://schemas.microsoft.com/office/2020/mipLabelMetadata">
   <clbl:label id="{f4308c54-0208-43d3-afad-1f8df2f678b7}" enabled="0" method="" siteId="{f4308c54-0208-43d3-afad-1f8df2f678b7}" removed="1"/>
